--- a/presentation.pptx
+++ b/presentation.pptx
@@ -21170,13 +21170,21 @@
           <a:p>
             <a:r>
               <a:rPr lang="en-US" dirty="0"/>
-              <a:t>"Basic Encoder-Decoder architectures lose spatial information during encoding"</a:t>
+              <a:t>Basic Encoder-Decoder architectures lose spatial information during encoding</a:t>
             </a:r>
           </a:p>
           <a:p>
+            <a:r>
+              <a:rPr lang="en-US"/>
+              <a:t>U-Net </a:t>
+            </a:r>
             <a:r>
               <a:rPr lang="en-US" dirty="0"/>
-              <a:t>"U-Net overcomes this by using skip connections to retain and utilize spatial information for more accurate output"</a:t>
+              <a:t>overcomes this by using skip connections to retain and utilize spatial information for more </a:t>
+            </a:r>
+            <a:r>
+              <a:rPr lang="en-US"/>
+              <a:t>accurate output</a:t>
             </a:r>
             <a:endParaRPr lang="el-GR" dirty="0"/>
           </a:p>

--- a/presentation.pptx
+++ b/presentation.pptx
@@ -3316,7 +3316,7 @@
 <dgm:dataModel xmlns:dgm="http://schemas.openxmlformats.org/drawingml/2006/diagram" xmlns:a="http://schemas.openxmlformats.org/drawingml/2006/main">
   <dgm:ptLst>
     <dgm:pt modelId="{B1C69589-4CD3-40DA-AF48-6120C449830F}" type="doc">
-      <dgm:prSet loTypeId="urn:microsoft.com/office/officeart/2005/8/layout/default" loCatId="list" qsTypeId="urn:microsoft.com/office/officeart/2005/8/quickstyle/simple1" qsCatId="simple" csTypeId="urn:microsoft.com/office/officeart/2005/8/colors/accent1_2" csCatId="accent1"/>
+      <dgm:prSet loTypeId="urn:microsoft.com/office/officeart/2005/8/layout/default" loCatId="list" qsTypeId="urn:microsoft.com/office/officeart/2005/8/quickstyle/simple1" qsCatId="simple" csTypeId="urn:microsoft.com/office/officeart/2005/8/colors/accent1_2" csCatId="accent1" phldr="1"/>
       <dgm:spPr/>
       <dgm:t>
         <a:bodyPr/>
@@ -3370,8 +3370,8 @@
         <a:lstStyle/>
         <a:p>
           <a:r>
-            <a:rPr lang="en-US"/>
-            <a:t>Adam optimizer used with learning rate: 0.00001, betas: (0.5, 0.999)</a:t>
+            <a:rPr lang="en-US" dirty="0"/>
+            <a:t>Adam optimizer used with learning rate: 0.00001</a:t>
           </a:r>
         </a:p>
       </dgm:t>
@@ -3506,42 +3506,6 @@
         </a:p>
       </dgm:t>
     </dgm:pt>
-    <dgm:pt modelId="{914AA3E5-83B7-40F7-A39C-7D7FABACFC58}">
-      <dgm:prSet/>
-      <dgm:spPr/>
-      <dgm:t>
-        <a:bodyPr/>
-        <a:lstStyle/>
-        <a:p>
-          <a:r>
-            <a:rPr lang="en-US"/>
-            <a:t>Losses used to optimize weights of Generator and Discriminator</a:t>
-          </a:r>
-        </a:p>
-      </dgm:t>
-    </dgm:pt>
-    <dgm:pt modelId="{EF0FC1B9-56C8-480B-BC50-3D99B3820BCB}" type="parTrans" cxnId="{63068604-F198-4DD7-9736-509E7ADB708B}">
-      <dgm:prSet/>
-      <dgm:spPr/>
-      <dgm:t>
-        <a:bodyPr/>
-        <a:lstStyle/>
-        <a:p>
-          <a:endParaRPr lang="en-US"/>
-        </a:p>
-      </dgm:t>
-    </dgm:pt>
-    <dgm:pt modelId="{7EE3622C-346D-4A68-9827-A9271B4E8B3B}" type="sibTrans" cxnId="{63068604-F198-4DD7-9736-509E7ADB708B}">
-      <dgm:prSet/>
-      <dgm:spPr/>
-      <dgm:t>
-        <a:bodyPr/>
-        <a:lstStyle/>
-        <a:p>
-          <a:endParaRPr lang="en-US"/>
-        </a:p>
-      </dgm:t>
-    </dgm:pt>
     <dgm:pt modelId="{08A98CEB-B0D5-475D-8104-B2ACBA6FD04F}" type="pres">
       <dgm:prSet presAssocID="{B1C69589-4CD3-40DA-AF48-6120C449830F}" presName="diagram" presStyleCnt="0">
         <dgm:presLayoutVars>
@@ -3552,7 +3516,7 @@
       <dgm:spPr/>
     </dgm:pt>
     <dgm:pt modelId="{49B89D0C-41FE-4E21-9F6A-D0C0830C8665}" type="pres">
-      <dgm:prSet presAssocID="{032BE4D0-0913-42C3-8384-2D5FDA05059B}" presName="node" presStyleLbl="node1" presStyleIdx="0" presStyleCnt="6">
+      <dgm:prSet presAssocID="{032BE4D0-0913-42C3-8384-2D5FDA05059B}" presName="node" presStyleLbl="node1" presStyleIdx="0" presStyleCnt="5">
         <dgm:presLayoutVars>
           <dgm:bulletEnabled val="1"/>
         </dgm:presLayoutVars>
@@ -3564,7 +3528,7 @@
       <dgm:spPr/>
     </dgm:pt>
     <dgm:pt modelId="{A1D71A1C-3922-4319-ABCC-EBF8CB1FFF0C}" type="pres">
-      <dgm:prSet presAssocID="{0F512A56-136D-4944-B2E4-2C3901A880F9}" presName="node" presStyleLbl="node1" presStyleIdx="1" presStyleCnt="6">
+      <dgm:prSet presAssocID="{0F512A56-136D-4944-B2E4-2C3901A880F9}" presName="node" presStyleLbl="node1" presStyleIdx="1" presStyleCnt="5" custLinFactNeighborX="0" custLinFactNeighborY="-520">
         <dgm:presLayoutVars>
           <dgm:bulletEnabled val="1"/>
         </dgm:presLayoutVars>
@@ -3576,7 +3540,7 @@
       <dgm:spPr/>
     </dgm:pt>
     <dgm:pt modelId="{F5FF5AC1-113D-4568-922C-ACB89F6B7C78}" type="pres">
-      <dgm:prSet presAssocID="{6EC3BD33-CA6E-448B-988C-8B43B72208E5}" presName="node" presStyleLbl="node1" presStyleIdx="2" presStyleCnt="6">
+      <dgm:prSet presAssocID="{6EC3BD33-CA6E-448B-988C-8B43B72208E5}" presName="node" presStyleLbl="node1" presStyleIdx="2" presStyleCnt="5">
         <dgm:presLayoutVars>
           <dgm:bulletEnabled val="1"/>
         </dgm:presLayoutVars>
@@ -3588,7 +3552,7 @@
       <dgm:spPr/>
     </dgm:pt>
     <dgm:pt modelId="{140EB23E-F561-42D6-BEFF-ED7377660E10}" type="pres">
-      <dgm:prSet presAssocID="{1942ECBD-D138-470D-864F-A20E14E73D28}" presName="node" presStyleLbl="node1" presStyleIdx="3" presStyleCnt="6">
+      <dgm:prSet presAssocID="{1942ECBD-D138-470D-864F-A20E14E73D28}" presName="node" presStyleLbl="node1" presStyleIdx="3" presStyleCnt="5">
         <dgm:presLayoutVars>
           <dgm:bulletEnabled val="1"/>
         </dgm:presLayoutVars>
@@ -3600,19 +3564,7 @@
       <dgm:spPr/>
     </dgm:pt>
     <dgm:pt modelId="{D465FE9B-4106-4DB7-BB6D-B5C1B2274CFD}" type="pres">
-      <dgm:prSet presAssocID="{377AAAF2-BCAD-4CA1-A5B9-EE999BA938F4}" presName="node" presStyleLbl="node1" presStyleIdx="4" presStyleCnt="6">
-        <dgm:presLayoutVars>
-          <dgm:bulletEnabled val="1"/>
-        </dgm:presLayoutVars>
-      </dgm:prSet>
-      <dgm:spPr/>
-    </dgm:pt>
-    <dgm:pt modelId="{628C4F86-56A4-4B0D-B942-A63969070A66}" type="pres">
-      <dgm:prSet presAssocID="{E92191EC-499A-4B57-9CDC-F0F2DEE0C3AD}" presName="sibTrans" presStyleCnt="0"/>
-      <dgm:spPr/>
-    </dgm:pt>
-    <dgm:pt modelId="{BDDF424A-3DA3-4CB5-B861-80CA39472DE7}" type="pres">
-      <dgm:prSet presAssocID="{914AA3E5-83B7-40F7-A39C-7D7FABACFC58}" presName="node" presStyleLbl="node1" presStyleIdx="5" presStyleCnt="6">
+      <dgm:prSet presAssocID="{377AAAF2-BCAD-4CA1-A5B9-EE999BA938F4}" presName="node" presStyleLbl="node1" presStyleIdx="4" presStyleCnt="5">
         <dgm:presLayoutVars>
           <dgm:bulletEnabled val="1"/>
         </dgm:presLayoutVars>
@@ -3622,10 +3574,8 @@
   </dgm:ptLst>
   <dgm:cxnLst>
     <dgm:cxn modelId="{EE220C04-1190-4D26-9426-D399DD897C5C}" srcId="{B1C69589-4CD3-40DA-AF48-6120C449830F}" destId="{377AAAF2-BCAD-4CA1-A5B9-EE999BA938F4}" srcOrd="4" destOrd="0" parTransId="{ED43F41F-3FF6-4637-B24A-828AA73E2463}" sibTransId="{E92191EC-499A-4B57-9CDC-F0F2DEE0C3AD}"/>
-    <dgm:cxn modelId="{63068604-F198-4DD7-9736-509E7ADB708B}" srcId="{B1C69589-4CD3-40DA-AF48-6120C449830F}" destId="{914AA3E5-83B7-40F7-A39C-7D7FABACFC58}" srcOrd="5" destOrd="0" parTransId="{EF0FC1B9-56C8-480B-BC50-3D99B3820BCB}" sibTransId="{7EE3622C-346D-4A68-9827-A9271B4E8B3B}"/>
     <dgm:cxn modelId="{6074A007-E7C3-44C8-A2AB-8AAB769D0590}" srcId="{B1C69589-4CD3-40DA-AF48-6120C449830F}" destId="{032BE4D0-0913-42C3-8384-2D5FDA05059B}" srcOrd="0" destOrd="0" parTransId="{6F461CF8-4BB0-4C42-A4AF-6DE4E523A1B8}" sibTransId="{930FE883-18B1-4EE3-9394-87EA241940EC}"/>
     <dgm:cxn modelId="{8CE18933-40E0-4BF8-98C6-12A48AFFC152}" type="presOf" srcId="{377AAAF2-BCAD-4CA1-A5B9-EE999BA938F4}" destId="{D465FE9B-4106-4DB7-BB6D-B5C1B2274CFD}" srcOrd="0" destOrd="0" presId="urn:microsoft.com/office/officeart/2005/8/layout/default"/>
-    <dgm:cxn modelId="{28ABDC6C-227E-41D3-B30E-5117E7B32D48}" type="presOf" srcId="{914AA3E5-83B7-40F7-A39C-7D7FABACFC58}" destId="{BDDF424A-3DA3-4CB5-B861-80CA39472DE7}" srcOrd="0" destOrd="0" presId="urn:microsoft.com/office/officeart/2005/8/layout/default"/>
     <dgm:cxn modelId="{B1AEA57B-471F-4C0C-8CC2-0BCC4B734ED4}" srcId="{B1C69589-4CD3-40DA-AF48-6120C449830F}" destId="{1942ECBD-D138-470D-864F-A20E14E73D28}" srcOrd="3" destOrd="0" parTransId="{56B10882-DDFE-4B0A-A356-1775C14B3146}" sibTransId="{153A41E0-FAB5-45E1-B53C-828E9026EEEF}"/>
     <dgm:cxn modelId="{8915167E-DA06-42D6-AE58-1590877ABF5C}" srcId="{B1C69589-4CD3-40DA-AF48-6120C449830F}" destId="{6EC3BD33-CA6E-448B-988C-8B43B72208E5}" srcOrd="2" destOrd="0" parTransId="{25577E98-4C00-4559-A60C-E90C420D9E21}" sibTransId="{CCF70137-60FF-4BF6-8232-DE30A2D16F3F}"/>
     <dgm:cxn modelId="{572A9A8A-F012-466A-9926-104CE49B0972}" type="presOf" srcId="{6EC3BD33-CA6E-448B-988C-8B43B72208E5}" destId="{F5FF5AC1-113D-4568-922C-ACB89F6B7C78}" srcOrd="0" destOrd="0" presId="urn:microsoft.com/office/officeart/2005/8/layout/default"/>
@@ -3643,8 +3593,6 @@
     <dgm:cxn modelId="{0E0700C4-3FE1-48AC-B410-72E2948B4D90}" type="presParOf" srcId="{08A98CEB-B0D5-475D-8104-B2ACBA6FD04F}" destId="{140EB23E-F561-42D6-BEFF-ED7377660E10}" srcOrd="6" destOrd="0" presId="urn:microsoft.com/office/officeart/2005/8/layout/default"/>
     <dgm:cxn modelId="{FB57A34E-E4F9-4322-9C5C-FAA39D7E735F}" type="presParOf" srcId="{08A98CEB-B0D5-475D-8104-B2ACBA6FD04F}" destId="{1FAF6716-DCB2-47B2-8278-46858C976612}" srcOrd="7" destOrd="0" presId="urn:microsoft.com/office/officeart/2005/8/layout/default"/>
     <dgm:cxn modelId="{528D51F7-DAC5-4C74-A397-C518C3A0C9CA}" type="presParOf" srcId="{08A98CEB-B0D5-475D-8104-B2ACBA6FD04F}" destId="{D465FE9B-4106-4DB7-BB6D-B5C1B2274CFD}" srcOrd="8" destOrd="0" presId="urn:microsoft.com/office/officeart/2005/8/layout/default"/>
-    <dgm:cxn modelId="{913DDB88-A859-4DA6-A593-55D64FF15C69}" type="presParOf" srcId="{08A98CEB-B0D5-475D-8104-B2ACBA6FD04F}" destId="{628C4F86-56A4-4B0D-B942-A63969070A66}" srcOrd="9" destOrd="0" presId="urn:microsoft.com/office/officeart/2005/8/layout/default"/>
-    <dgm:cxn modelId="{78CC059C-2EB6-4FA3-AB22-AB27A97173D8}" type="presParOf" srcId="{08A98CEB-B0D5-475D-8104-B2ACBA6FD04F}" destId="{BDDF424A-3DA3-4CB5-B861-80CA39472DE7}" srcOrd="10" destOrd="0" presId="urn:microsoft.com/office/officeart/2005/8/layout/default"/>
   </dgm:cxnLst>
   <dgm:bg/>
   <dgm:whole/>
@@ -4763,12 +4711,12 @@
         </a:fontRef>
       </dsp:style>
       <dsp:txBody>
-        <a:bodyPr spcFirstLastPara="0" vert="horz" wrap="square" lIns="87630" tIns="87630" rIns="87630" bIns="87630" numCol="1" spcCol="1270" anchor="ctr" anchorCtr="0">
+        <a:bodyPr spcFirstLastPara="0" vert="horz" wrap="square" lIns="91440" tIns="91440" rIns="91440" bIns="91440" numCol="1" spcCol="1270" anchor="ctr" anchorCtr="0">
           <a:noAutofit/>
         </a:bodyPr>
         <a:lstStyle/>
         <a:p>
-          <a:pPr marL="0" lvl="0" indent="0" algn="ctr" defTabSz="1022350">
+          <a:pPr marL="0" lvl="0" indent="0" algn="ctr" defTabSz="1066800">
             <a:lnSpc>
               <a:spcPct val="90000"/>
             </a:lnSpc>
@@ -4781,7 +4729,7 @@
             <a:buNone/>
           </a:pPr>
           <a:r>
-            <a:rPr lang="en-US" sz="2300" kern="1200"/>
+            <a:rPr lang="en-US" sz="2400" kern="1200"/>
             <a:t>Multiple epochs processing pairs of original images and saliency maps</a:t>
           </a:r>
         </a:p>
@@ -4798,7 +4746,7 @@
       </dsp:nvSpPr>
       <dsp:spPr>
         <a:xfrm>
-          <a:off x="2955104" y="194188"/>
+          <a:off x="2955104" y="185806"/>
           <a:ext cx="2686458" cy="1611875"/>
         </a:xfrm>
         <a:prstGeom prst="rect">
@@ -4840,12 +4788,12 @@
         </a:fontRef>
       </dsp:style>
       <dsp:txBody>
-        <a:bodyPr spcFirstLastPara="0" vert="horz" wrap="square" lIns="87630" tIns="87630" rIns="87630" bIns="87630" numCol="1" spcCol="1270" anchor="ctr" anchorCtr="0">
+        <a:bodyPr spcFirstLastPara="0" vert="horz" wrap="square" lIns="91440" tIns="91440" rIns="91440" bIns="91440" numCol="1" spcCol="1270" anchor="ctr" anchorCtr="0">
           <a:noAutofit/>
         </a:bodyPr>
         <a:lstStyle/>
         <a:p>
-          <a:pPr marL="0" lvl="0" indent="0" algn="ctr" defTabSz="1022350">
+          <a:pPr marL="0" lvl="0" indent="0" algn="ctr" defTabSz="1066800">
             <a:lnSpc>
               <a:spcPct val="90000"/>
             </a:lnSpc>
@@ -4858,13 +4806,13 @@
             <a:buNone/>
           </a:pPr>
           <a:r>
-            <a:rPr lang="en-US" sz="2300" kern="1200"/>
-            <a:t>Adam optimizer used with learning rate: 0.00001, betas: (0.5, 0.999)</a:t>
+            <a:rPr lang="en-US" sz="2400" kern="1200" dirty="0"/>
+            <a:t>Adam optimizer used with learning rate: 0.00001</a:t>
           </a:r>
         </a:p>
       </dsp:txBody>
       <dsp:txXfrm>
-        <a:off x="2955104" y="194188"/>
+        <a:off x="2955104" y="185806"/>
         <a:ext cx="2686458" cy="1611875"/>
       </dsp:txXfrm>
     </dsp:sp>
@@ -4917,12 +4865,12 @@
         </a:fontRef>
       </dsp:style>
       <dsp:txBody>
-        <a:bodyPr spcFirstLastPara="0" vert="horz" wrap="square" lIns="87630" tIns="87630" rIns="87630" bIns="87630" numCol="1" spcCol="1270" anchor="ctr" anchorCtr="0">
+        <a:bodyPr spcFirstLastPara="0" vert="horz" wrap="square" lIns="91440" tIns="91440" rIns="91440" bIns="91440" numCol="1" spcCol="1270" anchor="ctr" anchorCtr="0">
           <a:noAutofit/>
         </a:bodyPr>
         <a:lstStyle/>
         <a:p>
-          <a:pPr marL="0" lvl="0" indent="0" algn="ctr" defTabSz="1022350">
+          <a:pPr marL="0" lvl="0" indent="0" algn="ctr" defTabSz="1066800">
             <a:lnSpc>
               <a:spcPct val="90000"/>
             </a:lnSpc>
@@ -4935,7 +4883,7 @@
             <a:buNone/>
           </a:pPr>
           <a:r>
-            <a:rPr lang="en-US" sz="2300" kern="1200"/>
+            <a:rPr lang="en-US" sz="2400" kern="1200"/>
             <a:t>Generator creates 'fake' image from real image during each iteration</a:t>
           </a:r>
         </a:p>
@@ -4952,7 +4900,7 @@
       </dsp:nvSpPr>
       <dsp:spPr>
         <a:xfrm>
-          <a:off x="0" y="2074709"/>
+          <a:off x="1477552" y="2074709"/>
           <a:ext cx="2686458" cy="1611875"/>
         </a:xfrm>
         <a:prstGeom prst="rect">
@@ -4994,12 +4942,12 @@
         </a:fontRef>
       </dsp:style>
       <dsp:txBody>
-        <a:bodyPr spcFirstLastPara="0" vert="horz" wrap="square" lIns="87630" tIns="87630" rIns="87630" bIns="87630" numCol="1" spcCol="1270" anchor="ctr" anchorCtr="0">
+        <a:bodyPr spcFirstLastPara="0" vert="horz" wrap="square" lIns="91440" tIns="91440" rIns="91440" bIns="91440" numCol="1" spcCol="1270" anchor="ctr" anchorCtr="0">
           <a:noAutofit/>
         </a:bodyPr>
         <a:lstStyle/>
         <a:p>
-          <a:pPr marL="0" lvl="0" indent="0" algn="ctr" defTabSz="1022350">
+          <a:pPr marL="0" lvl="0" indent="0" algn="ctr" defTabSz="1066800">
             <a:lnSpc>
               <a:spcPct val="90000"/>
             </a:lnSpc>
@@ -5012,13 +4960,13 @@
             <a:buNone/>
           </a:pPr>
           <a:r>
-            <a:rPr lang="en-US" sz="2300" kern="1200"/>
+            <a:rPr lang="en-US" sz="2400" kern="1200"/>
             <a:t>Generator loss: GAN loss + L1 loss (scaled)</a:t>
           </a:r>
         </a:p>
       </dsp:txBody>
       <dsp:txXfrm>
-        <a:off x="0" y="2074709"/>
+        <a:off x="1477552" y="2074709"/>
         <a:ext cx="2686458" cy="1611875"/>
       </dsp:txXfrm>
     </dsp:sp>
@@ -5029,7 +4977,7 @@
       </dsp:nvSpPr>
       <dsp:spPr>
         <a:xfrm>
-          <a:off x="2955104" y="2074709"/>
+          <a:off x="4432656" y="2074709"/>
           <a:ext cx="2686458" cy="1611875"/>
         </a:xfrm>
         <a:prstGeom prst="rect">
@@ -5071,12 +5019,12 @@
         </a:fontRef>
       </dsp:style>
       <dsp:txBody>
-        <a:bodyPr spcFirstLastPara="0" vert="horz" wrap="square" lIns="87630" tIns="87630" rIns="87630" bIns="87630" numCol="1" spcCol="1270" anchor="ctr" anchorCtr="0">
+        <a:bodyPr spcFirstLastPara="0" vert="horz" wrap="square" lIns="91440" tIns="91440" rIns="91440" bIns="91440" numCol="1" spcCol="1270" anchor="ctr" anchorCtr="0">
           <a:noAutofit/>
         </a:bodyPr>
         <a:lstStyle/>
         <a:p>
-          <a:pPr marL="0" lvl="0" indent="0" algn="ctr" defTabSz="1022350">
+          <a:pPr marL="0" lvl="0" indent="0" algn="ctr" defTabSz="1066800">
             <a:lnSpc>
               <a:spcPct val="90000"/>
             </a:lnSpc>
@@ -5089,90 +5037,13 @@
             <a:buNone/>
           </a:pPr>
           <a:r>
-            <a:rPr lang="en-US" sz="2300" kern="1200"/>
+            <a:rPr lang="en-US" sz="2400" kern="1200"/>
             <a:t>Discriminator loss: Average of losses for real and fake images</a:t>
           </a:r>
         </a:p>
       </dsp:txBody>
       <dsp:txXfrm>
-        <a:off x="2955104" y="2074709"/>
-        <a:ext cx="2686458" cy="1611875"/>
-      </dsp:txXfrm>
-    </dsp:sp>
-    <dsp:sp modelId="{BDDF424A-3DA3-4CB5-B861-80CA39472DE7}">
-      <dsp:nvSpPr>
-        <dsp:cNvPr id="0" name=""/>
-        <dsp:cNvSpPr/>
-      </dsp:nvSpPr>
-      <dsp:spPr>
-        <a:xfrm>
-          <a:off x="5910209" y="2074709"/>
-          <a:ext cx="2686458" cy="1611875"/>
-        </a:xfrm>
-        <a:prstGeom prst="rect">
-          <a:avLst/>
-        </a:prstGeom>
-        <a:solidFill>
-          <a:schemeClr val="accent1">
-            <a:hueOff val="0"/>
-            <a:satOff val="0"/>
-            <a:lumOff val="0"/>
-            <a:alphaOff val="0"/>
-          </a:schemeClr>
-        </a:solidFill>
-        <a:ln w="19050" cap="rnd" cmpd="sng" algn="ctr">
-          <a:solidFill>
-            <a:schemeClr val="lt1">
-              <a:hueOff val="0"/>
-              <a:satOff val="0"/>
-              <a:lumOff val="0"/>
-              <a:alphaOff val="0"/>
-            </a:schemeClr>
-          </a:solidFill>
-          <a:prstDash val="solid"/>
-        </a:ln>
-        <a:effectLst/>
-      </dsp:spPr>
-      <dsp:style>
-        <a:lnRef idx="2">
-          <a:scrgbClr r="0" g="0" b="0"/>
-        </a:lnRef>
-        <a:fillRef idx="1">
-          <a:scrgbClr r="0" g="0" b="0"/>
-        </a:fillRef>
-        <a:effectRef idx="0">
-          <a:scrgbClr r="0" g="0" b="0"/>
-        </a:effectRef>
-        <a:fontRef idx="minor">
-          <a:schemeClr val="lt1"/>
-        </a:fontRef>
-      </dsp:style>
-      <dsp:txBody>
-        <a:bodyPr spcFirstLastPara="0" vert="horz" wrap="square" lIns="87630" tIns="87630" rIns="87630" bIns="87630" numCol="1" spcCol="1270" anchor="ctr" anchorCtr="0">
-          <a:noAutofit/>
-        </a:bodyPr>
-        <a:lstStyle/>
-        <a:p>
-          <a:pPr marL="0" lvl="0" indent="0" algn="ctr" defTabSz="1022350">
-            <a:lnSpc>
-              <a:spcPct val="90000"/>
-            </a:lnSpc>
-            <a:spcBef>
-              <a:spcPct val="0"/>
-            </a:spcBef>
-            <a:spcAft>
-              <a:spcPct val="35000"/>
-            </a:spcAft>
-            <a:buNone/>
-          </a:pPr>
-          <a:r>
-            <a:rPr lang="en-US" sz="2300" kern="1200"/>
-            <a:t>Losses used to optimize weights of Generator and Discriminator</a:t>
-          </a:r>
-        </a:p>
-      </dsp:txBody>
-      <dsp:txXfrm>
-        <a:off x="5910209" y="2074709"/>
+        <a:off x="4432656" y="2074709"/>
         <a:ext cx="2686458" cy="1611875"/>
       </dsp:txXfrm>
     </dsp:sp>
@@ -11466,7 +11337,7 @@
             <a:pPr rtl="0"/>
             <a:fld id="{62B9777D-EB60-4DAC-9E43-B8397D186601}" type="datetime1">
               <a:rPr lang="el-GR" noProof="1" smtClean="0"/>
-              <a:t>21/6/2023</a:t>
+              <a:t>24/6/2023</a:t>
             </a:fld>
             <a:endParaRPr lang="el-GR" noProof="1"/>
           </a:p>
@@ -11648,7 +11519,7 @@
             <a:pPr rtl="0"/>
             <a:fld id="{A2880F0B-8576-4F81-A5D8-54A05BC47F5B}" type="datetime1">
               <a:rPr lang="el-GR" noProof="0" smtClean="0"/>
-              <a:t>21/6/2023</a:t>
+              <a:t>24/6/2023</a:t>
             </a:fld>
             <a:endParaRPr lang="el-GR" noProof="0"/>
           </a:p>
@@ -12816,7 +12687,7 @@
             <a:pPr rtl="0"/>
             <a:fld id="{721540DE-5685-465A-9E9A-C1DF4747751E}" type="datetime1">
               <a:rPr lang="el-GR" noProof="0" smtClean="0"/>
-              <a:t>21/6/2023</a:t>
+              <a:t>24/6/2023</a:t>
             </a:fld>
             <a:endParaRPr lang="el-GR" noProof="0"/>
           </a:p>
@@ -13071,7 +12942,7 @@
             <a:pPr rtl="0"/>
             <a:fld id="{94604211-11D6-443F-9183-AC7A509C9F5D}" type="datetime1">
               <a:rPr lang="el-GR" noProof="0" smtClean="0"/>
-              <a:t>21/6/2023</a:t>
+              <a:t>24/6/2023</a:t>
             </a:fld>
             <a:endParaRPr lang="el-GR" noProof="0"/>
           </a:p>
@@ -13390,7 +13261,7 @@
             <a:pPr rtl="0"/>
             <a:fld id="{94604211-11D6-443F-9183-AC7A509C9F5D}" type="datetime1">
               <a:rPr lang="el-GR" noProof="0" smtClean="0"/>
-              <a:t>21/6/2023</a:t>
+              <a:t>24/6/2023</a:t>
             </a:fld>
             <a:endParaRPr lang="el-GR" noProof="0"/>
           </a:p>
@@ -13722,7 +13593,7 @@
             <a:pPr rtl="0"/>
             <a:fld id="{94604211-11D6-443F-9183-AC7A509C9F5D}" type="datetime1">
               <a:rPr lang="el-GR" noProof="0" smtClean="0"/>
-              <a:t>21/6/2023</a:t>
+              <a:t>24/6/2023</a:t>
             </a:fld>
             <a:endParaRPr lang="el-GR" noProof="0"/>
           </a:p>
@@ -14041,7 +13912,7 @@
             <a:pPr rtl="0"/>
             <a:fld id="{94604211-11D6-443F-9183-AC7A509C9F5D}" type="datetime1">
               <a:rPr lang="el-GR" noProof="0" smtClean="0"/>
-              <a:t>21/6/2023</a:t>
+              <a:t>24/6/2023</a:t>
             </a:fld>
             <a:endParaRPr lang="el-GR" noProof="0"/>
           </a:p>
@@ -14433,7 +14304,7 @@
             <a:pPr rtl="0"/>
             <a:fld id="{94604211-11D6-443F-9183-AC7A509C9F5D}" type="datetime1">
               <a:rPr lang="el-GR" noProof="0" smtClean="0"/>
-              <a:t>21/6/2023</a:t>
+              <a:t>24/6/2023</a:t>
             </a:fld>
             <a:endParaRPr lang="el-GR" noProof="0"/>
           </a:p>
@@ -14608,7 +14479,7 @@
             <a:pPr rtl="0"/>
             <a:fld id="{94604211-11D6-443F-9183-AC7A509C9F5D}" type="datetime1">
               <a:rPr lang="el-GR" noProof="0" smtClean="0"/>
-              <a:t>21/6/2023</a:t>
+              <a:t>24/6/2023</a:t>
             </a:fld>
             <a:endParaRPr lang="el-GR" noProof="0"/>
           </a:p>
@@ -14793,7 +14664,7 @@
             <a:pPr rtl="0"/>
             <a:fld id="{94604211-11D6-443F-9183-AC7A509C9F5D}" type="datetime1">
               <a:rPr lang="el-GR" noProof="0" smtClean="0"/>
-              <a:t>21/6/2023</a:t>
+              <a:t>24/6/2023</a:t>
             </a:fld>
             <a:endParaRPr lang="el-GR" noProof="0"/>
           </a:p>
@@ -14974,7 +14845,7 @@
             <a:pPr rtl="0"/>
             <a:fld id="{E6E0E136-B6BC-4914-8339-6A3043444A39}" type="datetime1">
               <a:rPr lang="el-GR" noProof="0" smtClean="0"/>
-              <a:t>21/6/2023</a:t>
+              <a:t>24/6/2023</a:t>
             </a:fld>
             <a:endParaRPr lang="el-GR" noProof="0"/>
           </a:p>
@@ -15224,7 +15095,7 @@
             <a:pPr rtl="0"/>
             <a:fld id="{426E0D3A-D452-4D37-8889-B006F2F92277}" type="datetime1">
               <a:rPr lang="el-GR" noProof="0" smtClean="0"/>
-              <a:t>21/6/2023</a:t>
+              <a:t>24/6/2023</a:t>
             </a:fld>
             <a:endParaRPr lang="el-GR" noProof="0"/>
           </a:p>
@@ -15460,7 +15331,7 @@
             <a:pPr rtl="0"/>
             <a:fld id="{6540C40A-511D-4AA2-9789-C13702972EF9}" type="datetime1">
               <a:rPr lang="el-GR" noProof="0" smtClean="0"/>
-              <a:t>21/6/2023</a:t>
+              <a:t>24/6/2023</a:t>
             </a:fld>
             <a:endParaRPr lang="el-GR" noProof="0"/>
           </a:p>
@@ -15837,7 +15708,7 @@
             <a:pPr rtl="0"/>
             <a:fld id="{34E0BD36-11C4-45C2-90D0-19D76C19CDDF}" type="datetime1">
               <a:rPr lang="el-GR" noProof="0" smtClean="0"/>
-              <a:t>21/6/2023</a:t>
+              <a:t>24/6/2023</a:t>
             </a:fld>
             <a:endParaRPr lang="el-GR" noProof="0"/>
           </a:p>
@@ -15963,7 +15834,7 @@
             <a:pPr rtl="0"/>
             <a:fld id="{4B40875B-7C2A-439D-9C62-0796A0C06DFA}" type="datetime1">
               <a:rPr lang="el-GR" noProof="0" smtClean="0"/>
-              <a:t>21/6/2023</a:t>
+              <a:t>24/6/2023</a:t>
             </a:fld>
             <a:endParaRPr lang="el-GR" noProof="0"/>
           </a:p>
@@ -16061,7 +15932,7 @@
             <a:pPr rtl="0"/>
             <a:fld id="{DB6E5E16-2C66-41BD-BF5F-AE219E1C3A89}" type="datetime1">
               <a:rPr lang="el-GR" noProof="0" smtClean="0"/>
-              <a:t>21/6/2023</a:t>
+              <a:t>24/6/2023</a:t>
             </a:fld>
             <a:endParaRPr lang="el-GR" noProof="0"/>
           </a:p>
@@ -16319,7 +16190,7 @@
             <a:pPr rtl="0"/>
             <a:fld id="{821F9545-A17B-4D1F-B042-BED26FD36394}" type="datetime1">
               <a:rPr lang="el-GR" noProof="0" smtClean="0"/>
-              <a:t>21/6/2023</a:t>
+              <a:t>24/6/2023</a:t>
             </a:fld>
             <a:endParaRPr lang="el-GR" noProof="0"/>
           </a:p>
@@ -16586,7 +16457,7 @@
             <a:pPr rtl="0"/>
             <a:fld id="{D46A3FB9-AE71-4829-BC3A-3725ED9E6414}" type="datetime1">
               <a:rPr lang="el-GR" noProof="0" smtClean="0"/>
-              <a:t>21/6/2023</a:t>
+              <a:t>24/6/2023</a:t>
             </a:fld>
             <a:endParaRPr lang="el-GR" noProof="0"/>
           </a:p>
@@ -17335,7 +17206,7 @@
             <a:pPr rtl="0"/>
             <a:fld id="{94604211-11D6-443F-9183-AC7A509C9F5D}" type="datetime1">
               <a:rPr lang="el-GR" noProof="0" smtClean="0"/>
-              <a:t>21/6/2023</a:t>
+              <a:t>24/6/2023</a:t>
             </a:fld>
             <a:endParaRPr lang="el-GR" noProof="0"/>
           </a:p>
@@ -18765,7 +18636,13 @@
           <a:p>
             <a:r>
               <a:rPr lang="en-US" dirty="0"/>
-              <a:t>GAN loss: Discriminator's ability to distinguish real and generated images</a:t>
+              <a:t>Generator loss: Sum of ability to full the generator and L1.</a:t>
+            </a:r>
+          </a:p>
+          <a:p>
+            <a:r>
+              <a:rPr lang="en-US" dirty="0"/>
+              <a:t>Discriminator loss: Discriminator's ability to distinguish real and generated images</a:t>
             </a:r>
           </a:p>
           <a:p>
@@ -18777,7 +18654,7 @@
           <a:p>
             <a:r>
               <a:rPr lang="en-US" dirty="0"/>
-              <a:t>L1 loss scaled by a factor of 100 (lambda_L1) for balance</a:t>
+              <a:t>L1 loss scaled by a factor of 100 for balance</a:t>
             </a:r>
             <a:endParaRPr lang="el-GR" dirty="0"/>
           </a:p>
@@ -18934,6 +18811,11 @@
           </p:cNvGraphicFramePr>
           <p:nvPr>
             <p:ph idx="1"/>
+            <p:extLst>
+              <p:ext uri="{D42A27DB-BD31-4B8C-83A1-F6EECF244321}">
+                <p14:modId xmlns:p14="http://schemas.microsoft.com/office/powerpoint/2010/main" val="1897360797"/>
+              </p:ext>
+            </p:extLst>
           </p:nvPr>
         </p:nvGraphicFramePr>
         <p:xfrm>
@@ -23384,15 +23266,6 @@
 </file>
 
 <file path=customXml/item2.xml><?xml version="1.0" encoding="utf-8"?>
-<p:properties xmlns:p="http://schemas.microsoft.com/office/2006/metadata/properties" xmlns:xsi="http://www.w3.org/2001/XMLSchema-instance" xmlns:pc="http://schemas.microsoft.com/office/infopath/2007/PartnerControls">
-  <documentManagement>
-    <Status xmlns="71af3243-3dd4-4a8d-8c0d-dd76da1f02a5">Not started</Status>
-    <MediaServiceKeyPoints xmlns="71af3243-3dd4-4a8d-8c0d-dd76da1f02a5" xsi:nil="true"/>
-  </documentManagement>
-</p:properties>
-</file>
-
-<file path=customXml/item3.xml><?xml version="1.0" encoding="utf-8"?>
 <ct:contentTypeSchema xmlns:ct="http://schemas.microsoft.com/office/2006/metadata/contentType" xmlns:ma="http://schemas.microsoft.com/office/2006/metadata/properties/metaAttributes" ct:_="" ma:_="" ma:contentTypeName="Document" ma:contentTypeID="0x01010079F111ED35F8CC479449609E8A0923A6" ma:contentTypeVersion="12" ma:contentTypeDescription="Create a new document." ma:contentTypeScope="" ma:versionID="93813dd7ca6ad654711aa0ab317e03a3">
   <xsd:schema xmlns:xsd="http://www.w3.org/2001/XMLSchema" xmlns:xs="http://www.w3.org/2001/XMLSchema" xmlns:p="http://schemas.microsoft.com/office/2006/metadata/properties" xmlns:ns2="71af3243-3dd4-4a8d-8c0d-dd76da1f02a5" xmlns:ns3="16c05727-aa75-4e4a-9b5f-8a80a1165891" targetNamespace="http://schemas.microsoft.com/office/2006/metadata/properties" ma:root="true" ma:fieldsID="f11dc0ce689dd3925e84e4e35398c6e7" ns2:_="" ns3:_="">
     <xsd:import namespace="71af3243-3dd4-4a8d-8c0d-dd76da1f02a5"/>
@@ -23613,6 +23486,15 @@
 </ct:contentTypeSchema>
 </file>
 
+<file path=customXml/item3.xml><?xml version="1.0" encoding="utf-8"?>
+<p:properties xmlns:p="http://schemas.microsoft.com/office/2006/metadata/properties" xmlns:xsi="http://www.w3.org/2001/XMLSchema-instance" xmlns:pc="http://schemas.microsoft.com/office/infopath/2007/PartnerControls">
+  <documentManagement>
+    <Status xmlns="71af3243-3dd4-4a8d-8c0d-dd76da1f02a5">Not started</Status>
+    <MediaServiceKeyPoints xmlns="71af3243-3dd4-4a8d-8c0d-dd76da1f02a5" xsi:nil="true"/>
+  </documentManagement>
+</p:properties>
+</file>
+
 <file path=customXml/itemProps1.xml><?xml version="1.0" encoding="utf-8"?>
 <ds:datastoreItem xmlns:ds="http://schemas.openxmlformats.org/officeDocument/2006/customXml" ds:itemID="{A0D51BCB-0419-432E-B7F1-25548446A625}">
   <ds:schemaRefs>
@@ -23622,16 +23504,6 @@
 </file>
 
 <file path=customXml/itemProps2.xml><?xml version="1.0" encoding="utf-8"?>
-<ds:datastoreItem xmlns:ds="http://schemas.openxmlformats.org/officeDocument/2006/customXml" ds:itemID="{1F08B90B-70ED-4539-9C14-FB2728D9064F}">
-  <ds:schemaRefs>
-    <ds:schemaRef ds:uri="http://schemas.microsoft.com/office/2006/metadata/properties"/>
-    <ds:schemaRef ds:uri="http://schemas.microsoft.com/office/infopath/2007/PartnerControls"/>
-    <ds:schemaRef ds:uri="71af3243-3dd4-4a8d-8c0d-dd76da1f02a5"/>
-  </ds:schemaRefs>
-</ds:datastoreItem>
-</file>
-
-<file path=customXml/itemProps3.xml><?xml version="1.0" encoding="utf-8"?>
 <ds:datastoreItem xmlns:ds="http://schemas.openxmlformats.org/officeDocument/2006/customXml" ds:itemID="{9E8D3305-1D9D-4BC8-A40F-6F8AE50BD76B}">
   <ds:schemaRefs>
     <ds:schemaRef ds:uri="http://schemas.microsoft.com/office/2006/metadata/contentType"/>
@@ -23648,4 +23520,14 @@
     <ds:schemaRef ds:uri="http://schemas.microsoft.com/internal/obd"/>
   </ds:schemaRefs>
 </ds:datastoreItem>
+</file>
+
+<file path=customXml/itemProps3.xml><?xml version="1.0" encoding="utf-8"?>
+<ds:datastoreItem xmlns:ds="http://schemas.openxmlformats.org/officeDocument/2006/customXml" ds:itemID="{1F08B90B-70ED-4539-9C14-FB2728D9064F}">
+  <ds:schemaRefs>
+    <ds:schemaRef ds:uri="http://schemas.microsoft.com/office/2006/metadata/properties"/>
+    <ds:schemaRef ds:uri="http://schemas.microsoft.com/office/infopath/2007/PartnerControls"/>
+    <ds:schemaRef ds:uri="71af3243-3dd4-4a8d-8c0d-dd76da1f02a5"/>
+  </ds:schemaRefs>
+</ds:datastoreItem>
 </file>
--- a/presentation.pptx
+++ b/presentation.pptx
@@ -19429,34 +19429,48 @@
           <a:lstStyle/>
           <a:p>
             <a:r>
-              <a:rPr lang="en-US"/>
-              <a:t>NSS score: 1.41</a:t>
+              <a:rPr lang="en-US" dirty="0"/>
+              <a:t>NSS score: 1.4</a:t>
             </a:r>
-          </a:p>
-          <a:p>
+            <a:r>
+              <a:rPr lang="el-GR" dirty="0"/>
+              <a:t>3</a:t>
+            </a:r>
+            <a:endParaRPr lang="en-US" dirty="0"/>
+          </a:p>
+          <a:p>
+            <a:r>
+              <a:rPr lang="en-US" dirty="0"/>
+              <a:t>Compared to minimum human baseline of 1.54</a:t>
+            </a:r>
+          </a:p>
+          <a:p>
+            <a:r>
+              <a:rPr lang="en-US" dirty="0"/>
+              <a:t>Not as high as state-of-the-art models (e.g., CEDNS with 2.39 on CAT2000 dataset)</a:t>
+            </a:r>
+          </a:p>
+          <a:p>
+            <a:r>
+              <a:rPr lang="en-US" dirty="0"/>
+              <a:t>PatchGan architecture (C64-C128-C256-C512) resulted in lower NSS score (1.3</a:t>
+            </a:r>
+            <a:r>
+              <a:rPr lang="el-GR"/>
+              <a:t>9</a:t>
+            </a:r>
             <a:r>
               <a:rPr lang="en-US"/>
-              <a:t>Compared to minimum human baseline of 1.54</a:t>
+              <a:t>)</a:t>
             </a:r>
+            <a:endParaRPr lang="en-US" dirty="0"/>
           </a:p>
           <a:p>
             <a:r>
-              <a:rPr lang="en-US"/>
-              <a:t>Not as high as state-of-the-art models (e.g., CEDNS with 2.39 on CAT2000 dataset)</a:t>
-            </a:r>
-          </a:p>
-          <a:p>
-            <a:r>
-              <a:rPr lang="en-US"/>
-              <a:t>PatchGan architecture (C64-C128-C256-C512) resulted in lower NSS score (1.37)</a:t>
-            </a:r>
-          </a:p>
-          <a:p>
-            <a:r>
-              <a:rPr lang="en-US"/>
+              <a:rPr lang="en-US" dirty="0"/>
               <a:t>NSS score indicates significant performance and potential of our model</a:t>
             </a:r>
-            <a:endParaRPr lang="el-GR"/>
+            <a:endParaRPr lang="el-GR" dirty="0"/>
           </a:p>
         </p:txBody>
       </p:sp>
@@ -22310,7 +22324,7 @@
           <a:p>
             <a:r>
               <a:rPr lang="en-US" dirty="0"/>
-              <a:t>Decoder: C1024-C2042-C1024-C512-C256-C128</a:t>
+              <a:t>Decoder: CD1024-CD2042-CD1024-C512-C256-C128</a:t>
             </a:r>
           </a:p>
           <a:p>
@@ -22330,13 +22344,6 @@
               <a:rPr lang="en-US" dirty="0"/>
               <a:t>Kernel size 3 and padding 1 in the bottleneck layer of decoder</a:t>
             </a:r>
-          </a:p>
-          <a:p>
-            <a:r>
-              <a:rPr lang="en-US" dirty="0"/>
-              <a:t>No use of dropout layers</a:t>
-            </a:r>
-            <a:endParaRPr lang="el-GR" dirty="0"/>
           </a:p>
         </p:txBody>
       </p:sp>
